--- a/logo.pptx
+++ b/logo.pptx
@@ -6,6 +6,7 @@
   </p:sldMasterIdLst>
   <p:sldIdLst>
     <p:sldId id="256" r:id="rId2"/>
+    <p:sldId id="257" r:id="rId3"/>
   </p:sldIdLst>
   <p:sldSz cx="12192000" cy="6858000"/>
   <p:notesSz cx="6858000" cy="9144000"/>
@@ -104,6 +105,11 @@
       </a:defRPr>
     </a:lvl9pPr>
   </p:defaultTextStyle>
+  <p:extLst>
+    <p:ext uri="{EFAFB233-063F-42B5-8137-9DF3F51BA10A}">
+      <p15:sldGuideLst xmlns:p15="http://schemas.microsoft.com/office/powerpoint/2012/main"/>
+    </p:ext>
+  </p:extLst>
 </p:presentation>
 </file>
 
@@ -256,7 +262,7 @@
           <a:p>
             <a:fld id="{D5E8C49D-3947-054D-A87C-1567D1C262C1}" type="datetimeFigureOut">
               <a:rPr lang="en-VN" smtClean="0"/>
-              <a:t>27/09/2021</a:t>
+              <a:t>2/7/23</a:t>
             </a:fld>
             <a:endParaRPr lang="en-VN"/>
           </a:p>
@@ -456,7 +462,7 @@
           <a:p>
             <a:fld id="{D5E8C49D-3947-054D-A87C-1567D1C262C1}" type="datetimeFigureOut">
               <a:rPr lang="en-VN" smtClean="0"/>
-              <a:t>27/09/2021</a:t>
+              <a:t>2/7/23</a:t>
             </a:fld>
             <a:endParaRPr lang="en-VN"/>
           </a:p>
@@ -666,7 +672,7 @@
           <a:p>
             <a:fld id="{D5E8C49D-3947-054D-A87C-1567D1C262C1}" type="datetimeFigureOut">
               <a:rPr lang="en-VN" smtClean="0"/>
-              <a:t>27/09/2021</a:t>
+              <a:t>2/7/23</a:t>
             </a:fld>
             <a:endParaRPr lang="en-VN"/>
           </a:p>
@@ -866,7 +872,7 @@
           <a:p>
             <a:fld id="{D5E8C49D-3947-054D-A87C-1567D1C262C1}" type="datetimeFigureOut">
               <a:rPr lang="en-VN" smtClean="0"/>
-              <a:t>27/09/2021</a:t>
+              <a:t>2/7/23</a:t>
             </a:fld>
             <a:endParaRPr lang="en-VN"/>
           </a:p>
@@ -1142,7 +1148,7 @@
           <a:p>
             <a:fld id="{D5E8C49D-3947-054D-A87C-1567D1C262C1}" type="datetimeFigureOut">
               <a:rPr lang="en-VN" smtClean="0"/>
-              <a:t>27/09/2021</a:t>
+              <a:t>2/7/23</a:t>
             </a:fld>
             <a:endParaRPr lang="en-VN"/>
           </a:p>
@@ -1410,7 +1416,7 @@
           <a:p>
             <a:fld id="{D5E8C49D-3947-054D-A87C-1567D1C262C1}" type="datetimeFigureOut">
               <a:rPr lang="en-VN" smtClean="0"/>
-              <a:t>27/09/2021</a:t>
+              <a:t>2/7/23</a:t>
             </a:fld>
             <a:endParaRPr lang="en-VN"/>
           </a:p>
@@ -1825,7 +1831,7 @@
           <a:p>
             <a:fld id="{D5E8C49D-3947-054D-A87C-1567D1C262C1}" type="datetimeFigureOut">
               <a:rPr lang="en-VN" smtClean="0"/>
-              <a:t>27/09/2021</a:t>
+              <a:t>2/7/23</a:t>
             </a:fld>
             <a:endParaRPr lang="en-VN"/>
           </a:p>
@@ -1967,7 +1973,7 @@
           <a:p>
             <a:fld id="{D5E8C49D-3947-054D-A87C-1567D1C262C1}" type="datetimeFigureOut">
               <a:rPr lang="en-VN" smtClean="0"/>
-              <a:t>27/09/2021</a:t>
+              <a:t>2/7/23</a:t>
             </a:fld>
             <a:endParaRPr lang="en-VN"/>
           </a:p>
@@ -2080,7 +2086,7 @@
           <a:p>
             <a:fld id="{D5E8C49D-3947-054D-A87C-1567D1C262C1}" type="datetimeFigureOut">
               <a:rPr lang="en-VN" smtClean="0"/>
-              <a:t>27/09/2021</a:t>
+              <a:t>2/7/23</a:t>
             </a:fld>
             <a:endParaRPr lang="en-VN"/>
           </a:p>
@@ -2393,7 +2399,7 @@
           <a:p>
             <a:fld id="{D5E8C49D-3947-054D-A87C-1567D1C262C1}" type="datetimeFigureOut">
               <a:rPr lang="en-VN" smtClean="0"/>
-              <a:t>27/09/2021</a:t>
+              <a:t>2/7/23</a:t>
             </a:fld>
             <a:endParaRPr lang="en-VN"/>
           </a:p>
@@ -2682,7 +2688,7 @@
           <a:p>
             <a:fld id="{D5E8C49D-3947-054D-A87C-1567D1C262C1}" type="datetimeFigureOut">
               <a:rPr lang="en-VN" smtClean="0"/>
-              <a:t>27/09/2021</a:t>
+              <a:t>2/7/23</a:t>
             </a:fld>
             <a:endParaRPr lang="en-VN"/>
           </a:p>
@@ -2925,7 +2931,7 @@
           <a:p>
             <a:fld id="{D5E8C49D-3947-054D-A87C-1567D1C262C1}" type="datetimeFigureOut">
               <a:rPr lang="en-VN" smtClean="0"/>
-              <a:t>27/09/2021</a:t>
+              <a:t>2/7/23</a:t>
             </a:fld>
             <a:endParaRPr lang="en-VN"/>
           </a:p>
@@ -3620,6 +3626,266 @@
 </p:sld>
 </file>
 
+<file path=ppt/slides/slide2.xml><?xml version="1.0" encoding="utf-8"?>
+<p:sld xmlns:a="http://schemas.openxmlformats.org/drawingml/2006/main" xmlns:r="http://schemas.openxmlformats.org/officeDocument/2006/relationships" xmlns:p="http://schemas.openxmlformats.org/presentationml/2006/main">
+  <p:cSld>
+    <p:spTree>
+      <p:nvGrpSpPr>
+        <p:cNvPr id="1" name=""/>
+        <p:cNvGrpSpPr/>
+        <p:nvPr/>
+      </p:nvGrpSpPr>
+      <p:grpSpPr>
+        <a:xfrm>
+          <a:off x="0" y="0"/>
+          <a:ext cx="0" cy="0"/>
+          <a:chOff x="0" y="0"/>
+          <a:chExt cx="0" cy="0"/>
+        </a:xfrm>
+      </p:grpSpPr>
+      <p:sp>
+        <p:nvSpPr>
+          <p:cNvPr id="7" name="Rectangle 6">
+            <a:extLst>
+              <a:ext uri="{FF2B5EF4-FFF2-40B4-BE49-F238E27FC236}">
+                <a16:creationId xmlns:a16="http://schemas.microsoft.com/office/drawing/2014/main" id="{EC86518F-DB7E-9ECC-9A19-E7AA82A67577}"/>
+              </a:ext>
+            </a:extLst>
+          </p:cNvPr>
+          <p:cNvSpPr/>
+          <p:nvPr/>
+        </p:nvSpPr>
+        <p:spPr>
+          <a:xfrm>
+            <a:off x="0" y="0"/>
+            <a:ext cx="12192000" cy="6858000"/>
+          </a:xfrm>
+          <a:prstGeom prst="rect">
+            <a:avLst/>
+          </a:prstGeom>
+          <a:solidFill>
+            <a:srgbClr val="505050"/>
+          </a:solidFill>
+        </p:spPr>
+        <p:style>
+          <a:lnRef idx="2">
+            <a:schemeClr val="accent1">
+              <a:shade val="50000"/>
+            </a:schemeClr>
+          </a:lnRef>
+          <a:fillRef idx="1">
+            <a:schemeClr val="accent1"/>
+          </a:fillRef>
+          <a:effectRef idx="0">
+            <a:schemeClr val="accent1"/>
+          </a:effectRef>
+          <a:fontRef idx="minor">
+            <a:schemeClr val="lt1"/>
+          </a:fontRef>
+        </p:style>
+        <p:txBody>
+          <a:bodyPr rtlCol="0" anchor="ctr"/>
+          <a:lstStyle/>
+          <a:p>
+            <a:pPr algn="ctr"/>
+            <a:endParaRPr lang="en-US"/>
+          </a:p>
+        </p:txBody>
+      </p:sp>
+      <p:grpSp>
+        <p:nvGrpSpPr>
+          <p:cNvPr id="8" name="Group 7">
+            <a:extLst>
+              <a:ext uri="{FF2B5EF4-FFF2-40B4-BE49-F238E27FC236}">
+                <a16:creationId xmlns:a16="http://schemas.microsoft.com/office/drawing/2014/main" id="{B9A77D9A-E290-3361-A797-C3F554D587E6}"/>
+              </a:ext>
+            </a:extLst>
+          </p:cNvPr>
+          <p:cNvGrpSpPr/>
+          <p:nvPr/>
+        </p:nvGrpSpPr>
+        <p:grpSpPr>
+          <a:xfrm>
+            <a:off x="3743140" y="837752"/>
+            <a:ext cx="5048320" cy="5048320"/>
+            <a:chOff x="6475323" y="1675034"/>
+            <a:chExt cx="3507932" cy="3507932"/>
+          </a:xfrm>
+        </p:grpSpPr>
+        <p:sp>
+          <p:nvSpPr>
+            <p:cNvPr id="4" name="Oval 3">
+              <a:extLst>
+                <a:ext uri="{FF2B5EF4-FFF2-40B4-BE49-F238E27FC236}">
+                  <a16:creationId xmlns:a16="http://schemas.microsoft.com/office/drawing/2014/main" id="{0B28EAEE-1122-8788-2163-13994F62194E}"/>
+                </a:ext>
+              </a:extLst>
+            </p:cNvPr>
+            <p:cNvSpPr/>
+            <p:nvPr/>
+          </p:nvSpPr>
+          <p:spPr>
+            <a:xfrm>
+              <a:off x="6475323" y="1675034"/>
+              <a:ext cx="3507932" cy="3507932"/>
+            </a:xfrm>
+            <a:prstGeom prst="ellipse">
+              <a:avLst/>
+            </a:prstGeom>
+            <a:solidFill>
+              <a:srgbClr val="989898"/>
+            </a:solidFill>
+            <a:ln>
+              <a:noFill/>
+            </a:ln>
+          </p:spPr>
+          <p:style>
+            <a:lnRef idx="2">
+              <a:schemeClr val="accent1">
+                <a:shade val="50000"/>
+              </a:schemeClr>
+            </a:lnRef>
+            <a:fillRef idx="1">
+              <a:schemeClr val="accent1"/>
+            </a:fillRef>
+            <a:effectRef idx="0">
+              <a:schemeClr val="accent1"/>
+            </a:effectRef>
+            <a:fontRef idx="minor">
+              <a:schemeClr val="lt1"/>
+            </a:fontRef>
+          </p:style>
+          <p:txBody>
+            <a:bodyPr rtlCol="0" anchor="ctr"/>
+            <a:lstStyle/>
+            <a:p>
+              <a:pPr algn="ctr"/>
+              <a:endParaRPr lang="en-VN"/>
+            </a:p>
+          </p:txBody>
+        </p:sp>
+        <p:sp>
+          <p:nvSpPr>
+            <p:cNvPr id="5" name="Rounded Rectangle 4">
+              <a:extLst>
+                <a:ext uri="{FF2B5EF4-FFF2-40B4-BE49-F238E27FC236}">
+                  <a16:creationId xmlns:a16="http://schemas.microsoft.com/office/drawing/2014/main" id="{691E2470-524D-9B5E-C2ED-D80A9353A154}"/>
+                </a:ext>
+              </a:extLst>
+            </p:cNvPr>
+            <p:cNvSpPr/>
+            <p:nvPr/>
+          </p:nvSpPr>
+          <p:spPr>
+            <a:xfrm rot="5400000">
+              <a:off x="7257351" y="3337560"/>
+              <a:ext cx="1920240" cy="182880"/>
+            </a:xfrm>
+            <a:prstGeom prst="roundRect">
+              <a:avLst>
+                <a:gd name="adj" fmla="val 50000"/>
+              </a:avLst>
+            </a:prstGeom>
+            <a:solidFill>
+              <a:schemeClr val="bg1"/>
+            </a:solidFill>
+            <a:ln>
+              <a:noFill/>
+            </a:ln>
+          </p:spPr>
+          <p:style>
+            <a:lnRef idx="2">
+              <a:schemeClr val="accent1">
+                <a:shade val="50000"/>
+              </a:schemeClr>
+            </a:lnRef>
+            <a:fillRef idx="1">
+              <a:schemeClr val="accent1"/>
+            </a:fillRef>
+            <a:effectRef idx="0">
+              <a:schemeClr val="accent1"/>
+            </a:effectRef>
+            <a:fontRef idx="minor">
+              <a:schemeClr val="lt1"/>
+            </a:fontRef>
+          </p:style>
+          <p:txBody>
+            <a:bodyPr rtlCol="0" anchor="ctr"/>
+            <a:lstStyle/>
+            <a:p>
+              <a:pPr algn="ctr"/>
+              <a:endParaRPr lang="en-VN"/>
+            </a:p>
+          </p:txBody>
+        </p:sp>
+        <p:sp>
+          <p:nvSpPr>
+            <p:cNvPr id="6" name="Rounded Rectangle 5">
+              <a:extLst>
+                <a:ext uri="{FF2B5EF4-FFF2-40B4-BE49-F238E27FC236}">
+                  <a16:creationId xmlns:a16="http://schemas.microsoft.com/office/drawing/2014/main" id="{20AF888A-D444-98B9-9365-2CC9FE671B89}"/>
+                </a:ext>
+              </a:extLst>
+            </p:cNvPr>
+            <p:cNvSpPr/>
+            <p:nvPr/>
+          </p:nvSpPr>
+          <p:spPr>
+            <a:xfrm rot="10800000">
+              <a:off x="7257351" y="3344250"/>
+              <a:ext cx="1920240" cy="169500"/>
+            </a:xfrm>
+            <a:prstGeom prst="roundRect">
+              <a:avLst>
+                <a:gd name="adj" fmla="val 50000"/>
+              </a:avLst>
+            </a:prstGeom>
+            <a:solidFill>
+              <a:schemeClr val="bg1"/>
+            </a:solidFill>
+            <a:ln>
+              <a:noFill/>
+            </a:ln>
+          </p:spPr>
+          <p:style>
+            <a:lnRef idx="2">
+              <a:schemeClr val="accent1">
+                <a:shade val="50000"/>
+              </a:schemeClr>
+            </a:lnRef>
+            <a:fillRef idx="1">
+              <a:schemeClr val="accent1"/>
+            </a:fillRef>
+            <a:effectRef idx="0">
+              <a:schemeClr val="accent1"/>
+            </a:effectRef>
+            <a:fontRef idx="minor">
+              <a:schemeClr val="lt1"/>
+            </a:fontRef>
+          </p:style>
+          <p:txBody>
+            <a:bodyPr rtlCol="0" anchor="ctr"/>
+            <a:lstStyle/>
+            <a:p>
+              <a:pPr algn="ctr"/>
+              <a:endParaRPr lang="en-VN"/>
+            </a:p>
+          </p:txBody>
+        </p:sp>
+      </p:grpSp>
+    </p:spTree>
+    <p:extLst>
+      <p:ext uri="{BB962C8B-B14F-4D97-AF65-F5344CB8AC3E}">
+        <p14:creationId xmlns:p14="http://schemas.microsoft.com/office/powerpoint/2010/main" val="3910403694"/>
+      </p:ext>
+    </p:extLst>
+  </p:cSld>
+  <p:clrMapOvr>
+    <a:masterClrMapping/>
+  </p:clrMapOvr>
+</p:sld>
+</file>
+
 <file path=ppt/theme/theme1.xml><?xml version="1.0" encoding="utf-8"?>
 <a:theme xmlns:a="http://schemas.openxmlformats.org/drawingml/2006/main" name="Office Theme">
   <a:themeElements>
